--- a/reactjs workshop.pptx
+++ b/reactjs workshop.pptx
@@ -5,14 +5,16 @@
     <p:sldMasterId id="2147483648" r:id="rId1"/>
   </p:sldMasterIdLst>
   <p:notesMasterIdLst>
-    <p:notesMasterId r:id="rId7"/>
+    <p:notesMasterId r:id="rId9"/>
   </p:notesMasterIdLst>
   <p:sldIdLst>
     <p:sldId id="256" r:id="rId2"/>
-    <p:sldId id="257" r:id="rId3"/>
-    <p:sldId id="258" r:id="rId4"/>
-    <p:sldId id="260" r:id="rId5"/>
-    <p:sldId id="259" r:id="rId6"/>
+    <p:sldId id="261" r:id="rId3"/>
+    <p:sldId id="257" r:id="rId4"/>
+    <p:sldId id="262" r:id="rId5"/>
+    <p:sldId id="258" r:id="rId6"/>
+    <p:sldId id="260" r:id="rId7"/>
+    <p:sldId id="259" r:id="rId8"/>
   </p:sldIdLst>
   <p:sldSz cx="12192000" cy="6858000"/>
   <p:notesSz cx="6858000" cy="9144000"/>
@@ -201,7 +203,7 @@
           <a:p>
             <a:fld id="{8BF257EA-5711-411B-8434-3CA0B7BAA9AF}" type="datetimeFigureOut">
               <a:rPr lang="ru-RU" smtClean="0"/>
-              <a:t>03.11.2016</a:t>
+              <a:t>25.01.2017</a:t>
             </a:fld>
             <a:endParaRPr lang="ru-RU"/>
           </a:p>
@@ -753,7 +755,7 @@
           <a:p>
             <a:fld id="{C7FC5B45-BA89-480A-8727-07D028E1DC39}" type="slidenum">
               <a:rPr lang="ru-RU" smtClean="0"/>
-              <a:t>2</a:t>
+              <a:t>3</a:t>
             </a:fld>
             <a:endParaRPr lang="ru-RU"/>
           </a:p>
@@ -826,7 +828,19 @@
                 <a:ea typeface="+mn-ea"/>
                 <a:cs typeface="+mn-cs"/>
               </a:rPr>
-              <a:t>There’s a simple pattern I find immensely useful when writing React applications. If </a:t>
+              <a:t>There’s </a:t>
+            </a:r>
+            <a:r>
+              <a:rPr lang="en-US" sz="1200" b="0" i="0" kern="1200" dirty="0" smtClean="0">
+                <a:solidFill>
+                  <a:schemeClr val="tx1"/>
+                </a:solidFill>
+                <a:effectLst/>
+                <a:latin typeface="+mn-lt"/>
+                <a:ea typeface="+mn-ea"/>
+                <a:cs typeface="+mn-cs"/>
+              </a:rPr>
+              <a:t>a simple pattern I find immensely useful when writing React applications. If </a:t>
             </a:r>
             <a:r>
               <a:rPr lang="en-US" sz="1200" b="0" i="0" u="none" strike="noStrike" kern="1200" dirty="0" smtClean="0">
@@ -2700,7 +2714,7 @@
           <a:p>
             <a:fld id="{C7FC5B45-BA89-480A-8727-07D028E1DC39}" type="slidenum">
               <a:rPr lang="ru-RU" smtClean="0"/>
-              <a:t>3</a:t>
+              <a:t>5</a:t>
             </a:fld>
             <a:endParaRPr lang="ru-RU"/>
           </a:p>
@@ -2850,7 +2864,7 @@
           <a:p>
             <a:fld id="{08C19A43-B208-46DE-AAC2-77177BA55BAC}" type="datetimeFigureOut">
               <a:rPr lang="ru-RU" smtClean="0"/>
-              <a:t>03.11.2016</a:t>
+              <a:t>25.01.2017</a:t>
             </a:fld>
             <a:endParaRPr lang="ru-RU"/>
           </a:p>
@@ -3020,7 +3034,7 @@
           <a:p>
             <a:fld id="{08C19A43-B208-46DE-AAC2-77177BA55BAC}" type="datetimeFigureOut">
               <a:rPr lang="ru-RU" smtClean="0"/>
-              <a:t>03.11.2016</a:t>
+              <a:t>25.01.2017</a:t>
             </a:fld>
             <a:endParaRPr lang="ru-RU"/>
           </a:p>
@@ -3200,7 +3214,7 @@
           <a:p>
             <a:fld id="{08C19A43-B208-46DE-AAC2-77177BA55BAC}" type="datetimeFigureOut">
               <a:rPr lang="ru-RU" smtClean="0"/>
-              <a:t>03.11.2016</a:t>
+              <a:t>25.01.2017</a:t>
             </a:fld>
             <a:endParaRPr lang="ru-RU"/>
           </a:p>
@@ -3370,7 +3384,7 @@
           <a:p>
             <a:fld id="{08C19A43-B208-46DE-AAC2-77177BA55BAC}" type="datetimeFigureOut">
               <a:rPr lang="ru-RU" smtClean="0"/>
-              <a:t>03.11.2016</a:t>
+              <a:t>25.01.2017</a:t>
             </a:fld>
             <a:endParaRPr lang="ru-RU"/>
           </a:p>
@@ -3616,7 +3630,7 @@
           <a:p>
             <a:fld id="{08C19A43-B208-46DE-AAC2-77177BA55BAC}" type="datetimeFigureOut">
               <a:rPr lang="ru-RU" smtClean="0"/>
-              <a:t>03.11.2016</a:t>
+              <a:t>25.01.2017</a:t>
             </a:fld>
             <a:endParaRPr lang="ru-RU"/>
           </a:p>
@@ -3848,7 +3862,7 @@
           <a:p>
             <a:fld id="{08C19A43-B208-46DE-AAC2-77177BA55BAC}" type="datetimeFigureOut">
               <a:rPr lang="ru-RU" smtClean="0"/>
-              <a:t>03.11.2016</a:t>
+              <a:t>25.01.2017</a:t>
             </a:fld>
             <a:endParaRPr lang="ru-RU"/>
           </a:p>
@@ -4215,7 +4229,7 @@
           <a:p>
             <a:fld id="{08C19A43-B208-46DE-AAC2-77177BA55BAC}" type="datetimeFigureOut">
               <a:rPr lang="ru-RU" smtClean="0"/>
-              <a:t>03.11.2016</a:t>
+              <a:t>25.01.2017</a:t>
             </a:fld>
             <a:endParaRPr lang="ru-RU"/>
           </a:p>
@@ -4333,7 +4347,7 @@
           <a:p>
             <a:fld id="{08C19A43-B208-46DE-AAC2-77177BA55BAC}" type="datetimeFigureOut">
               <a:rPr lang="ru-RU" smtClean="0"/>
-              <a:t>03.11.2016</a:t>
+              <a:t>25.01.2017</a:t>
             </a:fld>
             <a:endParaRPr lang="ru-RU"/>
           </a:p>
@@ -4428,7 +4442,7 @@
           <a:p>
             <a:fld id="{08C19A43-B208-46DE-AAC2-77177BA55BAC}" type="datetimeFigureOut">
               <a:rPr lang="ru-RU" smtClean="0"/>
-              <a:t>03.11.2016</a:t>
+              <a:t>25.01.2017</a:t>
             </a:fld>
             <a:endParaRPr lang="ru-RU"/>
           </a:p>
@@ -4705,7 +4719,7 @@
           <a:p>
             <a:fld id="{08C19A43-B208-46DE-AAC2-77177BA55BAC}" type="datetimeFigureOut">
               <a:rPr lang="ru-RU" smtClean="0"/>
-              <a:t>03.11.2016</a:t>
+              <a:t>25.01.2017</a:t>
             </a:fld>
             <a:endParaRPr lang="ru-RU"/>
           </a:p>
@@ -4958,7 +4972,7 @@
           <a:p>
             <a:fld id="{08C19A43-B208-46DE-AAC2-77177BA55BAC}" type="datetimeFigureOut">
               <a:rPr lang="ru-RU" smtClean="0"/>
-              <a:t>03.11.2016</a:t>
+              <a:t>25.01.2017</a:t>
             </a:fld>
             <a:endParaRPr lang="ru-RU"/>
           </a:p>
@@ -5171,7 +5185,7 @@
           <a:p>
             <a:fld id="{08C19A43-B208-46DE-AAC2-77177BA55BAC}" type="datetimeFigureOut">
               <a:rPr lang="ru-RU" smtClean="0"/>
-              <a:t>03.11.2016</a:t>
+              <a:t>25.01.2017</a:t>
             </a:fld>
             <a:endParaRPr lang="ru-RU"/>
           </a:p>
@@ -5592,12 +5606,12 @@
           <a:lstStyle/>
           <a:p>
             <a:r>
-              <a:rPr lang="en-US" dirty="0" err="1"/>
-              <a:t>r</a:t>
-            </a:r>
-            <a:r>
               <a:rPr lang="en-US" dirty="0" err="1" smtClean="0"/>
-              <a:t>eactjs</a:t>
+              <a:t>R</a:t>
+            </a:r>
+            <a:r>
+              <a:rPr lang="en-US" dirty="0" err="1" smtClean="0"/>
+              <a:t>eactJS</a:t>
             </a:r>
             <a:r>
               <a:rPr lang="en-US" dirty="0" smtClean="0"/>
@@ -5619,9 +5633,33 @@
         </p:nvSpPr>
         <p:spPr/>
         <p:txBody>
-          <a:bodyPr/>
+          <a:bodyPr>
+            <a:normAutofit lnSpcReduction="10000"/>
+          </a:bodyPr>
           <a:lstStyle/>
           <a:p>
+            <a:endParaRPr lang="en-US" dirty="0" smtClean="0"/>
+          </a:p>
+          <a:p>
+            <a:endParaRPr lang="en-US" dirty="0"/>
+          </a:p>
+          <a:p>
+            <a:endParaRPr lang="en-US" dirty="0" smtClean="0"/>
+          </a:p>
+          <a:p>
+            <a:pPr algn="l"/>
+            <a:r>
+              <a:rPr lang="en-US" dirty="0" err="1" smtClean="0"/>
+              <a:t>andrei</a:t>
+            </a:r>
+            <a:r>
+              <a:rPr lang="en-US" dirty="0" smtClean="0"/>
+              <a:t> </a:t>
+            </a:r>
+            <a:r>
+              <a:rPr lang="en-US" dirty="0" err="1" smtClean="0"/>
+              <a:t>novysh</a:t>
+            </a:r>
             <a:endParaRPr lang="ru-RU" dirty="0"/>
           </a:p>
         </p:txBody>
@@ -5679,53 +5717,46 @@
           <a:lstStyle/>
           <a:p>
             <a:r>
+              <a:rPr lang="en-US" dirty="0" smtClean="0"/>
+              <a:t>How to launch sample application</a:t>
+            </a:r>
+            <a:endParaRPr lang="ru-RU" dirty="0"/>
+          </a:p>
+        </p:txBody>
+      </p:sp>
+      <p:sp>
+        <p:nvSpPr>
+          <p:cNvPr id="3" name="Объект 2"/>
+          <p:cNvSpPr>
+            <a:spLocks noGrp="1"/>
+          </p:cNvSpPr>
+          <p:nvPr>
+            <p:ph idx="1"/>
+          </p:nvPr>
+        </p:nvSpPr>
+        <p:spPr/>
+        <p:txBody>
+          <a:bodyPr/>
+          <a:lstStyle/>
+          <a:p>
+            <a:pPr marL="0" indent="0">
+              <a:buNone/>
+            </a:pPr>
+            <a:r>
               <a:rPr lang="en-US" dirty="0" err="1" smtClean="0"/>
-              <a:t>Webpack</a:t>
+              <a:t>Git</a:t>
             </a:r>
             <a:r>
               <a:rPr lang="en-US" dirty="0" smtClean="0"/>
-              <a:t>: processing and bundling</a:t>
-            </a:r>
-            <a:endParaRPr lang="ru-RU" dirty="0"/>
-          </a:p>
-        </p:txBody>
-      </p:sp>
-      <p:sp>
-        <p:nvSpPr>
-          <p:cNvPr id="3" name="Объект 2"/>
-          <p:cNvSpPr>
-            <a:spLocks noGrp="1"/>
-          </p:cNvSpPr>
-          <p:nvPr>
-            <p:ph idx="1"/>
-          </p:nvPr>
-        </p:nvSpPr>
-        <p:spPr/>
-        <p:txBody>
-          <a:bodyPr>
-            <a:normAutofit/>
-          </a:bodyPr>
-          <a:lstStyle/>
-          <a:p>
-            <a:pPr marL="0" indent="0">
-              <a:buNone/>
-            </a:pPr>
-            <a:r>
-              <a:rPr lang="en-US" dirty="0" smtClean="0"/>
-              <a:t>Configured with</a:t>
-            </a:r>
-          </a:p>
-          <a:p>
-            <a:r>
-              <a:rPr lang="en-US" dirty="0" smtClean="0"/>
-              <a:t>Loaders for changes and transformations (think individual file)</a:t>
-            </a:r>
-          </a:p>
-          <a:p>
-            <a:r>
-              <a:rPr lang="en-US" dirty="0" smtClean="0"/>
-              <a:t>Plugins for extension (think whole process)</a:t>
-            </a:r>
+              <a:t>: </a:t>
+            </a:r>
+            <a:r>
+              <a:rPr lang="en-US" dirty="0" smtClean="0">
+                <a:hlinkClick r:id="rId2"/>
+              </a:rPr>
+              <a:t>https://github.com/andrenovysh/itechconfessional</a:t>
+            </a:r>
+            <a:endParaRPr lang="en-US" dirty="0" smtClean="0"/>
           </a:p>
           <a:p>
             <a:pPr marL="0" indent="0">
@@ -5739,19 +5770,64 @@
             </a:pPr>
             <a:r>
               <a:rPr lang="en-US" dirty="0" smtClean="0"/>
-              <a:t>Example</a:t>
-            </a:r>
-          </a:p>
-          <a:p>
+              <a:t>Run </a:t>
+            </a:r>
             <a:r>
               <a:rPr lang="en-US" dirty="0" smtClean="0"/>
-              <a:t>Babel loader: es6 -&gt; es5</a:t>
-            </a:r>
-          </a:p>
-          <a:p>
+              <a:t>backend:   </a:t>
+            </a:r>
             <a:r>
               <a:rPr lang="en-US" dirty="0" smtClean="0"/>
-              <a:t>Banner plugin: adds a banner on top of bundle</a:t>
+              <a:t>…/</a:t>
+            </a:r>
+            <a:r>
+              <a:rPr lang="en-US" dirty="0" err="1" smtClean="0"/>
+              <a:t>itechconfessional</a:t>
+            </a:r>
+            <a:r>
+              <a:rPr lang="en-US" dirty="0" smtClean="0"/>
+              <a:t>/backend&gt; </a:t>
+            </a:r>
+            <a:r>
+              <a:rPr lang="en-US" dirty="0" err="1" smtClean="0"/>
+              <a:t>npm</a:t>
+            </a:r>
+            <a:r>
+              <a:rPr lang="en-US" dirty="0" smtClean="0"/>
+              <a:t> start</a:t>
+            </a:r>
+          </a:p>
+          <a:p>
+            <a:pPr marL="0" indent="0">
+              <a:buNone/>
+            </a:pPr>
+            <a:r>
+              <a:rPr lang="en-US" dirty="0" smtClean="0"/>
+              <a:t>Run </a:t>
+            </a:r>
+            <a:r>
+              <a:rPr lang="en-US" dirty="0" smtClean="0"/>
+              <a:t>client</a:t>
+            </a:r>
+            <a:r>
+              <a:rPr lang="en-US" dirty="0" smtClean="0"/>
+              <a:t>:    …/</a:t>
+            </a:r>
+            <a:r>
+              <a:rPr lang="en-US" dirty="0" err="1" smtClean="0"/>
+              <a:t>itechconfessional</a:t>
+            </a:r>
+            <a:r>
+              <a:rPr lang="en-US" dirty="0" smtClean="0"/>
+              <a:t>/client&gt; </a:t>
+            </a:r>
+            <a:r>
+              <a:rPr lang="en-US" dirty="0" err="1"/>
+              <a:t>npm</a:t>
+            </a:r>
+            <a:r>
+              <a:rPr lang="en-US" dirty="0"/>
+              <a:t> start</a:t>
             </a:r>
           </a:p>
           <a:p>
@@ -5765,7 +5841,7 @@
     </p:spTree>
     <p:extLst>
       <p:ext uri="{BB962C8B-B14F-4D97-AF65-F5344CB8AC3E}">
-        <p14:creationId xmlns:p14="http://schemas.microsoft.com/office/powerpoint/2010/main" val="896259745"/>
+        <p14:creationId xmlns:p14="http://schemas.microsoft.com/office/powerpoint/2010/main" val="4092111525"/>
       </p:ext>
     </p:extLst>
   </p:cSld>
@@ -5816,7 +5892,7 @@
           <a:p>
             <a:r>
               <a:rPr lang="en-US" dirty="0" smtClean="0"/>
-              <a:t>Components vs Container</a:t>
+              <a:t>Small quiz</a:t>
             </a:r>
             <a:endParaRPr lang="ru-RU" dirty="0"/>
           </a:p>
@@ -5834,130 +5910,223 @@
         </p:nvSpPr>
         <p:spPr/>
         <p:txBody>
-          <a:bodyPr/>
+          <a:bodyPr>
+            <a:normAutofit fontScale="62500" lnSpcReduction="20000"/>
+          </a:bodyPr>
           <a:lstStyle/>
           <a:p>
+            <a:pPr marL="0" indent="0">
+              <a:buNone/>
+            </a:pPr>
+            <a:r>
+              <a:rPr lang="en-US" dirty="0" smtClean="0">
+                <a:solidFill>
+                  <a:srgbClr val="7030A0"/>
+                </a:solidFill>
+              </a:rPr>
+              <a:t>function</a:t>
+            </a:r>
+            <a:r>
+              <a:rPr lang="en-US" dirty="0" smtClean="0"/>
+              <a:t> sum (x, y) {</a:t>
+            </a:r>
+          </a:p>
+          <a:p>
+            <a:pPr marL="0" indent="0">
+              <a:buNone/>
+            </a:pPr>
             <a:r>
               <a:rPr lang="en-US" dirty="0"/>
-              <a:t>h</a:t>
+              <a:t>	</a:t>
+            </a:r>
+            <a:r>
+              <a:rPr lang="en-US" dirty="0" err="1" smtClean="0">
+                <a:solidFill>
+                  <a:srgbClr val="0070C0"/>
+                </a:solidFill>
+              </a:rPr>
+              <a:t>const</a:t>
+            </a:r>
+            <a:r>
+              <a:rPr lang="en-US" dirty="0" smtClean="0">
+                <a:solidFill>
+                  <a:srgbClr val="0070C0"/>
+                </a:solidFill>
+              </a:rPr>
+              <a:t> </a:t>
             </a:r>
             <a:r>
               <a:rPr lang="en-US" dirty="0" smtClean="0"/>
-              <a:t>ow things </a:t>
-            </a:r>
-            <a:r>
-              <a:rPr lang="en-US" b="1" dirty="0" smtClean="0"/>
-              <a:t>look</a:t>
-            </a:r>
+              <a:t>result = x + y;</a:t>
+            </a:r>
+            <a:endParaRPr lang="en-US" dirty="0" smtClean="0"/>
+          </a:p>
+          <a:p>
+            <a:pPr marL="0" indent="0">
+              <a:buNone/>
+            </a:pPr>
             <a:r>
               <a:rPr lang="en-US" dirty="0" smtClean="0"/>
-              <a:t> vs how things </a:t>
-            </a:r>
-            <a:r>
-              <a:rPr lang="en-US" b="1" dirty="0" smtClean="0"/>
-              <a:t>work</a:t>
-            </a:r>
-          </a:p>
-          <a:p>
+              <a:t>	console.log(result);</a:t>
+            </a:r>
+          </a:p>
+          <a:p>
+            <a:pPr marL="0" indent="0">
+              <a:buNone/>
+            </a:pPr>
+            <a:endParaRPr lang="en-US" dirty="0" smtClean="0"/>
+          </a:p>
+          <a:p>
+            <a:pPr marL="0" indent="0">
+              <a:buNone/>
+            </a:pPr>
             <a:r>
               <a:rPr lang="en-US" dirty="0"/>
-              <a:t>u</a:t>
+              <a:t>	</a:t>
+            </a:r>
+            <a:r>
+              <a:rPr lang="en-US" dirty="0" smtClean="0">
+                <a:solidFill>
+                  <a:srgbClr val="C00000"/>
+                </a:solidFill>
+              </a:rPr>
+              <a:t>return</a:t>
             </a:r>
             <a:r>
               <a:rPr lang="en-US" dirty="0" smtClean="0"/>
-              <a:t>sually have </a:t>
-            </a:r>
-            <a:r>
-              <a:rPr lang="en-US" b="1" dirty="0" smtClean="0"/>
-              <a:t>styles</a:t>
-            </a:r>
+              <a:t> result;</a:t>
+            </a:r>
+            <a:endParaRPr lang="en-US" dirty="0" smtClean="0"/>
+          </a:p>
+          <a:p>
+            <a:pPr marL="0" indent="0">
+              <a:buNone/>
+            </a:pPr>
             <a:r>
               <a:rPr lang="en-US" dirty="0" smtClean="0"/>
-              <a:t> vs </a:t>
-            </a:r>
-            <a:r>
-              <a:rPr lang="en-US" b="1" dirty="0" smtClean="0"/>
-              <a:t>no styles</a:t>
-            </a:r>
-          </a:p>
-          <a:p>
-            <a:r>
-              <a:rPr lang="en-US" b="1" dirty="0" smtClean="0"/>
-              <a:t>is not aware </a:t>
+              <a:t>}</a:t>
+            </a:r>
+          </a:p>
+          <a:p>
+            <a:pPr marL="0" indent="0">
+              <a:buNone/>
+            </a:pPr>
+            <a:endParaRPr lang="en-US" dirty="0"/>
+          </a:p>
+          <a:p>
+            <a:pPr marL="0" indent="0">
+              <a:buNone/>
+            </a:pPr>
+            <a:r>
+              <a:rPr lang="en-US" dirty="0">
+                <a:solidFill>
+                  <a:srgbClr val="7030A0"/>
+                </a:solidFill>
+              </a:rPr>
+              <a:t>function</a:t>
+            </a:r>
+            <a:r>
+              <a:rPr lang="en-US" dirty="0"/>
+              <a:t> </a:t>
             </a:r>
             <a:r>
               <a:rPr lang="en-US" dirty="0" smtClean="0"/>
-              <a:t>of data fetching vs </a:t>
-            </a:r>
-            <a:r>
-              <a:rPr lang="en-US" b="1" dirty="0" smtClean="0"/>
-              <a:t>fetches</a:t>
+              <a:t>prod (x</a:t>
+            </a:r>
+            <a:r>
+              <a:rPr lang="en-US" dirty="0"/>
+              <a:t>, y) {</a:t>
+            </a:r>
+          </a:p>
+          <a:p>
+            <a:pPr marL="0" indent="0">
+              <a:buNone/>
+            </a:pPr>
+            <a:r>
+              <a:rPr lang="en-US" dirty="0"/>
+              <a:t>	</a:t>
+            </a:r>
+            <a:r>
+              <a:rPr lang="en-US" dirty="0" err="1" smtClean="0">
+                <a:solidFill>
+                  <a:srgbClr val="0070C0"/>
+                </a:solidFill>
+              </a:rPr>
+              <a:t>const</a:t>
             </a:r>
             <a:r>
               <a:rPr lang="en-US" dirty="0" smtClean="0"/>
-              <a:t> data</a:t>
-            </a:r>
-          </a:p>
-          <a:p>
+              <a:t> result </a:t>
+            </a:r>
             <a:r>
               <a:rPr lang="en-US" dirty="0"/>
-              <a:t>c</a:t>
+              <a:t>= x </a:t>
             </a:r>
             <a:r>
               <a:rPr lang="en-US" dirty="0" smtClean="0"/>
-              <a:t>an be considered </a:t>
-            </a:r>
-            <a:r>
-              <a:rPr lang="en-US" b="1" dirty="0" err="1" smtClean="0"/>
-              <a:t>stateles</a:t>
-            </a:r>
-            <a:r>
-              <a:rPr lang="en-US" b="1" dirty="0" smtClean="0"/>
-              <a:t> </a:t>
+              <a:t>* </a:t>
+            </a:r>
+            <a:r>
+              <a:rPr lang="en-US" dirty="0"/>
+              <a:t>y;</a:t>
+            </a:r>
+          </a:p>
+          <a:p>
+            <a:pPr marL="0" indent="0">
+              <a:buNone/>
+            </a:pPr>
+            <a:r>
+              <a:rPr lang="en-US" dirty="0"/>
+              <a:t>	console.log(result</a:t>
             </a:r>
             <a:r>
               <a:rPr lang="en-US" dirty="0" smtClean="0"/>
-              <a:t>vs </a:t>
-            </a:r>
-            <a:r>
-              <a:rPr lang="en-US" b="1" dirty="0" err="1" smtClean="0"/>
-              <a:t>statefull</a:t>
-            </a:r>
-            <a:endParaRPr lang="en-US" b="1" dirty="0" smtClean="0"/>
-          </a:p>
-          <a:p>
+              <a:t>);</a:t>
+            </a:r>
+          </a:p>
+          <a:p>
+            <a:pPr marL="0" indent="0">
+              <a:buNone/>
+            </a:pPr>
+            <a:endParaRPr lang="en-US" dirty="0"/>
+          </a:p>
+          <a:p>
+            <a:pPr marL="0" indent="0">
+              <a:buNone/>
+            </a:pPr>
             <a:r>
               <a:rPr lang="en-US" dirty="0"/>
-              <a:t>w</a:t>
-            </a:r>
+              <a:t>	</a:t>
+            </a:r>
+            <a:r>
+              <a:rPr lang="en-US" dirty="0">
+                <a:solidFill>
+                  <a:srgbClr val="C00000"/>
+                </a:solidFill>
+              </a:rPr>
+              <a:t>return </a:t>
+            </a:r>
+            <a:r>
+              <a:rPr lang="en-US" dirty="0"/>
+              <a:t>result;</a:t>
+            </a:r>
+          </a:p>
+          <a:p>
+            <a:pPr marL="0" indent="0">
+              <a:buNone/>
+            </a:pPr>
             <a:r>
               <a:rPr lang="en-US" dirty="0" smtClean="0"/>
-              <a:t>ritten as </a:t>
-            </a:r>
-            <a:r>
-              <a:rPr lang="en-US" b="1" dirty="0" smtClean="0"/>
-              <a:t>pure</a:t>
-            </a:r>
-            <a:r>
-              <a:rPr lang="en-US" dirty="0" smtClean="0"/>
-              <a:t> components vs with </a:t>
-            </a:r>
-            <a:r>
-              <a:rPr lang="en-US" b="1" dirty="0" smtClean="0"/>
-              <a:t>high order </a:t>
-            </a:r>
-            <a:r>
-              <a:rPr lang="en-US" dirty="0" smtClean="0"/>
-              <a:t>components</a:t>
-            </a:r>
-            <a:endParaRPr lang="ru-RU" dirty="0"/>
+              <a:t>}</a:t>
+            </a:r>
+            <a:endParaRPr lang="en-US" dirty="0"/>
           </a:p>
         </p:txBody>
       </p:sp>
     </p:spTree>
     <p:extLst>
       <p:ext uri="{BB962C8B-B14F-4D97-AF65-F5344CB8AC3E}">
-        <p14:creationId xmlns:p14="http://schemas.microsoft.com/office/powerpoint/2010/main" val="2198527031"/>
+        <p14:creationId xmlns:p14="http://schemas.microsoft.com/office/powerpoint/2010/main" val="896259745"/>
       </p:ext>
     </p:extLst>
   </p:cSld>
@@ -6008,7 +6177,7 @@
           <a:p>
             <a:r>
               <a:rPr lang="en-US" dirty="0" smtClean="0"/>
-              <a:t>Flux application</a:t>
+              <a:t>Small quiz: answer</a:t>
             </a:r>
             <a:endParaRPr lang="ru-RU" dirty="0"/>
           </a:p>
@@ -6026,38 +6195,218 @@
         </p:nvSpPr>
         <p:spPr/>
         <p:txBody>
-          <a:bodyPr/>
+          <a:bodyPr>
+            <a:normAutofit fontScale="92500" lnSpcReduction="20000"/>
+          </a:bodyPr>
           <a:lstStyle/>
           <a:p>
+            <a:pPr marL="0" indent="0">
+              <a:buNone/>
+            </a:pPr>
+            <a:r>
+              <a:rPr lang="en-US" dirty="0">
+                <a:solidFill>
+                  <a:srgbClr val="7030A0"/>
+                </a:solidFill>
+              </a:rPr>
+              <a:t>function</a:t>
+            </a:r>
+            <a:r>
+              <a:rPr lang="en-US" dirty="0"/>
+              <a:t> </a:t>
+            </a:r>
+            <a:r>
+              <a:rPr lang="en-US" dirty="0" err="1" smtClean="0"/>
+              <a:t>withLogging</a:t>
+            </a:r>
             <a:r>
               <a:rPr lang="en-US" dirty="0" smtClean="0"/>
-              <a:t>Dispatcher</a:t>
-            </a:r>
-          </a:p>
-          <a:p>
+              <a:t> (operation) {</a:t>
+            </a:r>
+          </a:p>
+          <a:p>
+            <a:pPr marL="0" indent="0">
+              <a:buNone/>
+            </a:pPr>
+            <a:r>
+              <a:rPr lang="en-US" dirty="0"/>
+              <a:t>	</a:t>
+            </a:r>
+            <a:r>
+              <a:rPr lang="en-US" dirty="0" smtClean="0">
+                <a:solidFill>
+                  <a:srgbClr val="C00000"/>
+                </a:solidFill>
+              </a:rPr>
+              <a:t>return </a:t>
+            </a:r>
+            <a:r>
+              <a:rPr lang="en-US" dirty="0" smtClean="0">
+                <a:solidFill>
+                  <a:srgbClr val="7030A0"/>
+                </a:solidFill>
+              </a:rPr>
+              <a:t>function </a:t>
+            </a:r>
             <a:r>
               <a:rPr lang="en-US" dirty="0" smtClean="0"/>
-              <a:t>Store</a:t>
-            </a:r>
-          </a:p>
-          <a:p>
+              <a:t>(x, y) {</a:t>
+            </a:r>
+          </a:p>
+          <a:p>
+            <a:pPr marL="0" indent="0">
+              <a:buNone/>
+            </a:pPr>
+            <a:r>
+              <a:rPr lang="en-US" dirty="0"/>
+              <a:t>	</a:t>
+            </a:r>
             <a:r>
               <a:rPr lang="en-US" dirty="0" smtClean="0"/>
-              <a:t>View (React components)</a:t>
-            </a:r>
+              <a:t>	</a:t>
+            </a:r>
+            <a:r>
+              <a:rPr lang="en-US" dirty="0" err="1" smtClean="0">
+                <a:solidFill>
+                  <a:srgbClr val="0070C0"/>
+                </a:solidFill>
+              </a:rPr>
+              <a:t>const</a:t>
+            </a:r>
+            <a:r>
+              <a:rPr lang="en-US" dirty="0" smtClean="0">
+                <a:solidFill>
+                  <a:srgbClr val="0070C0"/>
+                </a:solidFill>
+              </a:rPr>
+              <a:t> </a:t>
+            </a:r>
+            <a:r>
+              <a:rPr lang="en-US" dirty="0" smtClean="0"/>
+              <a:t>result = operation(x, y);</a:t>
+            </a:r>
+          </a:p>
+          <a:p>
+            <a:pPr marL="0" indent="0">
+              <a:buNone/>
+            </a:pPr>
+            <a:r>
+              <a:rPr lang="en-US" dirty="0"/>
+              <a:t>	</a:t>
+            </a:r>
+            <a:r>
+              <a:rPr lang="en-US" dirty="0" smtClean="0"/>
+              <a:t>	console.log(result);</a:t>
+            </a:r>
+          </a:p>
+          <a:p>
+            <a:pPr marL="0" indent="0">
+              <a:buNone/>
+            </a:pPr>
+            <a:endParaRPr lang="en-US" dirty="0"/>
+          </a:p>
+          <a:p>
+            <a:pPr marL="0" indent="0">
+              <a:buNone/>
+            </a:pPr>
+            <a:r>
+              <a:rPr lang="en-US" dirty="0" smtClean="0"/>
+              <a:t>		</a:t>
+            </a:r>
+            <a:r>
+              <a:rPr lang="en-US" dirty="0" smtClean="0">
+                <a:solidFill>
+                  <a:srgbClr val="C00000"/>
+                </a:solidFill>
+              </a:rPr>
+              <a:t>return</a:t>
+            </a:r>
+            <a:r>
+              <a:rPr lang="en-US" dirty="0" smtClean="0"/>
+              <a:t> result;</a:t>
+            </a:r>
+          </a:p>
+          <a:p>
+            <a:pPr marL="0" indent="0">
+              <a:buNone/>
+            </a:pPr>
+            <a:r>
+              <a:rPr lang="en-US" dirty="0" smtClean="0"/>
+              <a:t>	}</a:t>
+            </a:r>
+          </a:p>
+          <a:p>
+            <a:pPr marL="0" indent="0">
+              <a:buNone/>
+            </a:pPr>
+            <a:r>
+              <a:rPr lang="en-US" dirty="0" smtClean="0"/>
+              <a:t>}</a:t>
+            </a:r>
+          </a:p>
+          <a:p>
+            <a:pPr marL="0" indent="0">
+              <a:buNone/>
+            </a:pPr>
+            <a:endParaRPr lang="en-US" dirty="0"/>
+          </a:p>
+          <a:p>
+            <a:pPr marL="0" indent="0">
+              <a:buNone/>
+            </a:pPr>
+            <a:r>
+              <a:rPr lang="en-US" dirty="0" err="1" smtClean="0">
+                <a:solidFill>
+                  <a:srgbClr val="0070C0"/>
+                </a:solidFill>
+              </a:rPr>
+              <a:t>const</a:t>
+            </a:r>
+            <a:r>
+              <a:rPr lang="en-US" dirty="0" smtClean="0">
+                <a:solidFill>
+                  <a:srgbClr val="0070C0"/>
+                </a:solidFill>
+              </a:rPr>
+              <a:t> </a:t>
+            </a:r>
+            <a:r>
+              <a:rPr lang="en-US" dirty="0" err="1" smtClean="0"/>
+              <a:t>sumAndLog</a:t>
+            </a:r>
+            <a:r>
+              <a:rPr lang="en-US" dirty="0" smtClean="0"/>
+              <a:t> = </a:t>
+            </a:r>
+            <a:r>
+              <a:rPr lang="en-US" dirty="0" err="1" smtClean="0"/>
+              <a:t>withLogging</a:t>
+            </a:r>
+            <a:r>
+              <a:rPr lang="en-US" dirty="0" smtClean="0"/>
+              <a:t>(sum);</a:t>
+            </a:r>
+            <a:endParaRPr lang="ru-RU" dirty="0"/>
           </a:p>
         </p:txBody>
       </p:sp>
     </p:spTree>
     <p:extLst>
       <p:ext uri="{BB962C8B-B14F-4D97-AF65-F5344CB8AC3E}">
-        <p14:creationId xmlns:p14="http://schemas.microsoft.com/office/powerpoint/2010/main" val="1769232130"/>
+        <p14:creationId xmlns:p14="http://schemas.microsoft.com/office/powerpoint/2010/main" val="3472176858"/>
       </p:ext>
     </p:extLst>
   </p:cSld>
   <p:clrMapOvr>
     <a:masterClrMapping/>
   </p:clrMapOvr>
+  <p:timing>
+    <p:tnLst>
+      <p:par>
+        <p:cTn id="1" dur="indefinite" restart="never" nodeType="tmRoot"/>
+      </p:par>
+    </p:tnLst>
+  </p:timing>
 </p:sld>
 </file>
 
@@ -6095,41 +6444,429 @@
           <a:p>
             <a:r>
               <a:rPr lang="en-US" dirty="0" smtClean="0"/>
-              <a:t>Unidirectional data flow. Flux.</a:t>
+              <a:t>Components vs Container</a:t>
             </a:r>
             <a:endParaRPr lang="ru-RU" dirty="0"/>
           </a:p>
         </p:txBody>
       </p:sp>
-      <p:pic>
-        <p:nvPicPr>
+      <p:graphicFrame>
+        <p:nvGraphicFramePr>
           <p:cNvPr id="4" name="Объект 3"/>
-          <p:cNvPicPr>
-            <a:picLocks noGrp="1" noChangeAspect="1"/>
-          </p:cNvPicPr>
+          <p:cNvGraphicFramePr>
+            <a:graphicFrameLocks noGrp="1"/>
+          </p:cNvGraphicFramePr>
           <p:nvPr>
             <p:ph idx="1"/>
-          </p:nvPr>
-        </p:nvPicPr>
-        <p:blipFill>
-          <a:blip r:embed="rId2" cstate="print">
-            <a:extLst>
-              <a:ext uri="{28A0092B-C50C-407E-A947-70E740481C1C}">
-                <a14:useLocalDpi xmlns:a14="http://schemas.microsoft.com/office/drawing/2010/main" val="0"/>
-              </a:ext>
-            </a:extLst>
-          </a:blip>
-          <a:stretch>
-            <a:fillRect/>
-          </a:stretch>
-        </p:blipFill>
-        <p:spPr>
-          <a:xfrm>
-            <a:off x="1736850" y="1825625"/>
-            <a:ext cx="8718299" cy="4351338"/>
-          </a:xfrm>
-        </p:spPr>
-      </p:pic>
+            <p:extLst>
+              <p:ext uri="{D42A27DB-BD31-4B8C-83A1-F6EECF244321}">
+                <p14:modId xmlns:p14="http://schemas.microsoft.com/office/powerpoint/2010/main" val="2440828662"/>
+              </p:ext>
+            </p:extLst>
+          </p:nvPr>
+        </p:nvGraphicFramePr>
+        <p:xfrm>
+          <a:off x="838200" y="1825619"/>
+          <a:ext cx="10515600" cy="4403730"/>
+        </p:xfrm>
+        <a:graphic>
+          <a:graphicData uri="http://schemas.openxmlformats.org/drawingml/2006/table">
+            <a:tbl>
+              <a:tblPr firstRow="1" bandRow="1">
+                <a:tableStyleId>{5C22544A-7EE6-4342-B048-85BDC9FD1C3A}</a:tableStyleId>
+              </a:tblPr>
+              <a:tblGrid>
+                <a:gridCol w="5257800"/>
+                <a:gridCol w="5257800"/>
+              </a:tblGrid>
+              <a:tr h="733955">
+                <a:tc>
+                  <a:txBody>
+                    <a:bodyPr/>
+                    <a:lstStyle/>
+                    <a:p>
+                      <a:r>
+                        <a:rPr lang="en-US" sz="2800" dirty="0" smtClean="0"/>
+                        <a:t>Component</a:t>
+                      </a:r>
+                      <a:endParaRPr lang="ru-RU" sz="2800" dirty="0"/>
+                    </a:p>
+                  </a:txBody>
+                  <a:tcPr/>
+                </a:tc>
+                <a:tc>
+                  <a:txBody>
+                    <a:bodyPr/>
+                    <a:lstStyle/>
+                    <a:p>
+                      <a:r>
+                        <a:rPr lang="en-US" sz="2800" dirty="0" smtClean="0"/>
+                        <a:t>Container</a:t>
+                      </a:r>
+                      <a:endParaRPr lang="ru-RU" sz="2800" dirty="0"/>
+                    </a:p>
+                  </a:txBody>
+                  <a:tcPr/>
+                </a:tc>
+              </a:tr>
+              <a:tr h="733955">
+                <a:tc>
+                  <a:txBody>
+                    <a:bodyPr/>
+                    <a:lstStyle/>
+                    <a:p>
+                      <a:r>
+                        <a:rPr lang="en-US" dirty="0" smtClean="0"/>
+                        <a:t>How things look</a:t>
+                      </a:r>
+                      <a:endParaRPr lang="ru-RU" dirty="0"/>
+                    </a:p>
+                  </a:txBody>
+                  <a:tcPr/>
+                </a:tc>
+                <a:tc>
+                  <a:txBody>
+                    <a:bodyPr/>
+                    <a:lstStyle/>
+                    <a:p>
+                      <a:r>
+                        <a:rPr lang="en-US" dirty="0" smtClean="0"/>
+                        <a:t>How things work</a:t>
+                      </a:r>
+                      <a:endParaRPr lang="ru-RU" dirty="0"/>
+                    </a:p>
+                  </a:txBody>
+                  <a:tcPr/>
+                </a:tc>
+              </a:tr>
+              <a:tr h="733955">
+                <a:tc>
+                  <a:txBody>
+                    <a:bodyPr/>
+                    <a:lstStyle/>
+                    <a:p>
+                      <a:r>
+                        <a:rPr lang="en-US" dirty="0" smtClean="0"/>
+                        <a:t>Usually have styles</a:t>
+                      </a:r>
+                      <a:endParaRPr lang="ru-RU" dirty="0"/>
+                    </a:p>
+                  </a:txBody>
+                  <a:tcPr/>
+                </a:tc>
+                <a:tc>
+                  <a:txBody>
+                    <a:bodyPr/>
+                    <a:lstStyle/>
+                    <a:p>
+                      <a:r>
+                        <a:rPr lang="en-US" dirty="0" smtClean="0"/>
+                        <a:t>No styles</a:t>
+                      </a:r>
+                      <a:endParaRPr lang="ru-RU" dirty="0"/>
+                    </a:p>
+                  </a:txBody>
+                  <a:tcPr/>
+                </a:tc>
+              </a:tr>
+              <a:tr h="733955">
+                <a:tc>
+                  <a:txBody>
+                    <a:bodyPr/>
+                    <a:lstStyle/>
+                    <a:p>
+                      <a:r>
+                        <a:rPr lang="en-US" dirty="0" smtClean="0"/>
+                        <a:t>Is not aware of the store, data fetching</a:t>
+                      </a:r>
+                      <a:endParaRPr lang="ru-RU" dirty="0"/>
+                    </a:p>
+                  </a:txBody>
+                  <a:tcPr/>
+                </a:tc>
+                <a:tc>
+                  <a:txBody>
+                    <a:bodyPr/>
+                    <a:lstStyle/>
+                    <a:p>
+                      <a:r>
+                        <a:rPr lang="en-US" dirty="0" smtClean="0"/>
+                        <a:t>Connects to store fetches data</a:t>
+                      </a:r>
+                      <a:endParaRPr lang="ru-RU" dirty="0"/>
+                    </a:p>
+                  </a:txBody>
+                  <a:tcPr/>
+                </a:tc>
+              </a:tr>
+              <a:tr h="733955">
+                <a:tc>
+                  <a:txBody>
+                    <a:bodyPr/>
+                    <a:lstStyle/>
+                    <a:p>
+                      <a:r>
+                        <a:rPr lang="en-US" dirty="0" smtClean="0"/>
+                        <a:t>Can be considered stateless</a:t>
+                      </a:r>
+                      <a:endParaRPr lang="ru-RU" dirty="0"/>
+                    </a:p>
+                  </a:txBody>
+                  <a:tcPr/>
+                </a:tc>
+                <a:tc>
+                  <a:txBody>
+                    <a:bodyPr/>
+                    <a:lstStyle/>
+                    <a:p>
+                      <a:r>
+                        <a:rPr lang="en-US" dirty="0" err="1" smtClean="0"/>
+                        <a:t>Statefull</a:t>
+                      </a:r>
+                      <a:endParaRPr lang="ru-RU" dirty="0"/>
+                    </a:p>
+                  </a:txBody>
+                  <a:tcPr/>
+                </a:tc>
+              </a:tr>
+              <a:tr h="733955">
+                <a:tc>
+                  <a:txBody>
+                    <a:bodyPr/>
+                    <a:lstStyle/>
+                    <a:p>
+                      <a:r>
+                        <a:rPr lang="en-US" dirty="0" err="1" smtClean="0"/>
+                        <a:t>Writen</a:t>
+                      </a:r>
+                      <a:r>
+                        <a:rPr lang="en-US" dirty="0" smtClean="0"/>
+                        <a:t> as pure components</a:t>
+                      </a:r>
+                      <a:endParaRPr lang="ru-RU" dirty="0"/>
+                    </a:p>
+                  </a:txBody>
+                  <a:tcPr/>
+                </a:tc>
+                <a:tc>
+                  <a:txBody>
+                    <a:bodyPr/>
+                    <a:lstStyle/>
+                    <a:p>
+                      <a:r>
+                        <a:rPr lang="en-US" dirty="0" smtClean="0"/>
+                        <a:t>High order components</a:t>
+                      </a:r>
+                      <a:endParaRPr lang="ru-RU" dirty="0"/>
+                    </a:p>
+                  </a:txBody>
+                  <a:tcPr/>
+                </a:tc>
+              </a:tr>
+            </a:tbl>
+          </a:graphicData>
+        </a:graphic>
+      </p:graphicFrame>
+    </p:spTree>
+    <p:extLst>
+      <p:ext uri="{BB962C8B-B14F-4D97-AF65-F5344CB8AC3E}">
+        <p14:creationId xmlns:p14="http://schemas.microsoft.com/office/powerpoint/2010/main" val="2198527031"/>
+      </p:ext>
+    </p:extLst>
+  </p:cSld>
+  <p:clrMapOvr>
+    <a:masterClrMapping/>
+  </p:clrMapOvr>
+  <p:timing>
+    <p:tnLst>
+      <p:par>
+        <p:cTn id="1" dur="indefinite" restart="never" nodeType="tmRoot"/>
+      </p:par>
+    </p:tnLst>
+  </p:timing>
+</p:sld>
+</file>
+
+<file path=ppt/slides/slide6.xml><?xml version="1.0" encoding="utf-8"?>
+<p:sld xmlns:a="http://schemas.openxmlformats.org/drawingml/2006/main" xmlns:r="http://schemas.openxmlformats.org/officeDocument/2006/relationships" xmlns:p="http://schemas.openxmlformats.org/presentationml/2006/main">
+  <p:cSld>
+    <p:spTree>
+      <p:nvGrpSpPr>
+        <p:cNvPr id="1" name=""/>
+        <p:cNvGrpSpPr/>
+        <p:nvPr/>
+      </p:nvGrpSpPr>
+      <p:grpSpPr>
+        <a:xfrm>
+          <a:off x="0" y="0"/>
+          <a:ext cx="0" cy="0"/>
+          <a:chOff x="0" y="0"/>
+          <a:chExt cx="0" cy="0"/>
+        </a:xfrm>
+      </p:grpSpPr>
+      <p:sp>
+        <p:nvSpPr>
+          <p:cNvPr id="2" name="Заголовок 1"/>
+          <p:cNvSpPr>
+            <a:spLocks noGrp="1"/>
+          </p:cNvSpPr>
+          <p:nvPr>
+            <p:ph type="title"/>
+          </p:nvPr>
+        </p:nvSpPr>
+        <p:spPr/>
+        <p:txBody>
+          <a:bodyPr/>
+          <a:lstStyle/>
+          <a:p>
+            <a:r>
+              <a:rPr lang="en-US" dirty="0" smtClean="0"/>
+              <a:t>High order components</a:t>
+            </a:r>
+            <a:endParaRPr lang="ru-RU" dirty="0"/>
+          </a:p>
+        </p:txBody>
+      </p:sp>
+      <p:sp>
+        <p:nvSpPr>
+          <p:cNvPr id="3" name="Объект 2"/>
+          <p:cNvSpPr>
+            <a:spLocks noGrp="1"/>
+          </p:cNvSpPr>
+          <p:nvPr>
+            <p:ph idx="1"/>
+          </p:nvPr>
+        </p:nvSpPr>
+        <p:spPr/>
+        <p:txBody>
+          <a:bodyPr/>
+          <a:lstStyle/>
+          <a:p>
+            <a:r>
+              <a:rPr lang="en-US" dirty="0" smtClean="0"/>
+              <a:t>Implemented as class factory</a:t>
+            </a:r>
+          </a:p>
+          <a:p>
+            <a:r>
+              <a:rPr lang="en-US" dirty="0" smtClean="0"/>
+              <a:t>Core reuse</a:t>
+            </a:r>
+          </a:p>
+          <a:p>
+            <a:r>
+              <a:rPr lang="en-US" dirty="0" smtClean="0"/>
+              <a:t>Props proxy</a:t>
+            </a:r>
+          </a:p>
+          <a:p>
+            <a:r>
+              <a:rPr lang="en-US" dirty="0" smtClean="0"/>
+              <a:t>State abstraction</a:t>
+            </a:r>
+          </a:p>
+          <a:p>
+            <a:r>
+              <a:rPr lang="en-US" dirty="0" smtClean="0"/>
+              <a:t>etc..</a:t>
+            </a:r>
+          </a:p>
+        </p:txBody>
+      </p:sp>
+    </p:spTree>
+    <p:extLst>
+      <p:ext uri="{BB962C8B-B14F-4D97-AF65-F5344CB8AC3E}">
+        <p14:creationId xmlns:p14="http://schemas.microsoft.com/office/powerpoint/2010/main" val="1769232130"/>
+      </p:ext>
+    </p:extLst>
+  </p:cSld>
+  <p:clrMapOvr>
+    <a:masterClrMapping/>
+  </p:clrMapOvr>
+  <p:timing>
+    <p:tnLst>
+      <p:par>
+        <p:cTn id="1" dur="indefinite" restart="never" nodeType="tmRoot"/>
+      </p:par>
+    </p:tnLst>
+  </p:timing>
+</p:sld>
+</file>
+
+<file path=ppt/slides/slide7.xml><?xml version="1.0" encoding="utf-8"?>
+<p:sld xmlns:a="http://schemas.openxmlformats.org/drawingml/2006/main" xmlns:r="http://schemas.openxmlformats.org/officeDocument/2006/relationships" xmlns:p="http://schemas.openxmlformats.org/presentationml/2006/main">
+  <p:cSld>
+    <p:spTree>
+      <p:nvGrpSpPr>
+        <p:cNvPr id="1" name=""/>
+        <p:cNvGrpSpPr/>
+        <p:nvPr/>
+      </p:nvGrpSpPr>
+      <p:grpSpPr>
+        <a:xfrm>
+          <a:off x="0" y="0"/>
+          <a:ext cx="0" cy="0"/>
+          <a:chOff x="0" y="0"/>
+          <a:chExt cx="0" cy="0"/>
+        </a:xfrm>
+      </p:grpSpPr>
+      <p:sp>
+        <p:nvSpPr>
+          <p:cNvPr id="2" name="Заголовок 1"/>
+          <p:cNvSpPr>
+            <a:spLocks noGrp="1"/>
+          </p:cNvSpPr>
+          <p:nvPr>
+            <p:ph type="title"/>
+          </p:nvPr>
+        </p:nvSpPr>
+        <p:spPr/>
+        <p:txBody>
+          <a:bodyPr/>
+          <a:lstStyle/>
+          <a:p>
+            <a:endParaRPr lang="ru-RU" dirty="0"/>
+          </a:p>
+        </p:txBody>
+      </p:sp>
+      <p:sp>
+        <p:nvSpPr>
+          <p:cNvPr id="3" name="Объект 2"/>
+          <p:cNvSpPr>
+            <a:spLocks noGrp="1"/>
+          </p:cNvSpPr>
+          <p:nvPr>
+            <p:ph idx="1"/>
+          </p:nvPr>
+        </p:nvSpPr>
+        <p:spPr/>
+        <p:txBody>
+          <a:bodyPr/>
+          <a:lstStyle/>
+          <a:p>
+            <a:pPr marL="0" indent="0" algn="ctr">
+              <a:buNone/>
+            </a:pPr>
+            <a:endParaRPr lang="en-US" dirty="0" smtClean="0"/>
+          </a:p>
+          <a:p>
+            <a:pPr marL="0" indent="0" algn="ctr">
+              <a:buNone/>
+            </a:pPr>
+            <a:endParaRPr lang="en-US" dirty="0"/>
+          </a:p>
+          <a:p>
+            <a:pPr marL="0" indent="0" algn="ctr">
+              <a:buNone/>
+            </a:pPr>
+            <a:r>
+              <a:rPr lang="en-US" smtClean="0"/>
+              <a:t>Questions? </a:t>
+            </a:r>
+            <a:endParaRPr lang="ru-RU" dirty="0"/>
+          </a:p>
+        </p:txBody>
+      </p:sp>
     </p:spTree>
     <p:extLst>
       <p:ext uri="{BB962C8B-B14F-4D97-AF65-F5344CB8AC3E}">
@@ -6140,6 +6877,13 @@
   <p:clrMapOvr>
     <a:masterClrMapping/>
   </p:clrMapOvr>
+  <p:timing>
+    <p:tnLst>
+      <p:par>
+        <p:cTn id="1" dur="indefinite" restart="never" nodeType="tmRoot"/>
+      </p:par>
+    </p:tnLst>
+  </p:timing>
 </p:sld>
 </file>
 

--- a/reactjs workshop.pptx
+++ b/reactjs workshop.pptx
@@ -828,19 +828,7 @@
                 <a:ea typeface="+mn-ea"/>
                 <a:cs typeface="+mn-cs"/>
               </a:rPr>
-              <a:t>There’s </a:t>
-            </a:r>
-            <a:r>
-              <a:rPr lang="en-US" sz="1200" b="0" i="0" kern="1200" dirty="0" smtClean="0">
-                <a:solidFill>
-                  <a:schemeClr val="tx1"/>
-                </a:solidFill>
-                <a:effectLst/>
-                <a:latin typeface="+mn-lt"/>
-                <a:ea typeface="+mn-ea"/>
-                <a:cs typeface="+mn-cs"/>
-              </a:rPr>
-              <a:t>a simple pattern I find immensely useful when writing React applications. If </a:t>
+              <a:t>There’s a simple pattern I find immensely useful when writing React applications. If </a:t>
             </a:r>
             <a:r>
               <a:rPr lang="en-US" sz="1200" b="0" i="0" u="none" strike="noStrike" kern="1200" dirty="0" smtClean="0">
@@ -5607,11 +5595,7 @@
           <a:p>
             <a:r>
               <a:rPr lang="en-US" dirty="0" err="1" smtClean="0"/>
-              <a:t>R</a:t>
-            </a:r>
-            <a:r>
-              <a:rPr lang="en-US" dirty="0" err="1" smtClean="0"/>
-              <a:t>eactJS</a:t>
+              <a:t>ReactJS</a:t>
             </a:r>
             <a:r>
               <a:rPr lang="en-US" dirty="0" smtClean="0"/>
@@ -5762,6 +5746,30 @@
             <a:pPr marL="0" indent="0">
               <a:buNone/>
             </a:pPr>
+            <a:endParaRPr lang="en-US" dirty="0" smtClean="0"/>
+          </a:p>
+          <a:p>
+            <a:pPr marL="0" indent="0">
+              <a:buNone/>
+            </a:pPr>
+            <a:r>
+              <a:rPr lang="en-US" dirty="0" smtClean="0"/>
+              <a:t>checkout “</a:t>
+            </a:r>
+            <a:r>
+              <a:rPr lang="en-US" dirty="0" err="1" smtClean="0"/>
+              <a:t>simple_incomplete</a:t>
+            </a:r>
+            <a:r>
+              <a:rPr lang="en-US" smtClean="0"/>
+              <a:t>” branch</a:t>
+            </a:r>
+            <a:endParaRPr lang="en-US" dirty="0" smtClean="0"/>
+          </a:p>
+          <a:p>
+            <a:pPr marL="0" indent="0">
+              <a:buNone/>
+            </a:pPr>
             <a:endParaRPr lang="en-US" dirty="0"/>
           </a:p>
           <a:p>
@@ -5770,15 +5778,7 @@
             </a:pPr>
             <a:r>
               <a:rPr lang="en-US" dirty="0" smtClean="0"/>
-              <a:t>Run </a:t>
-            </a:r>
-            <a:r>
-              <a:rPr lang="en-US" dirty="0" smtClean="0"/>
-              <a:t>backend:   </a:t>
-            </a:r>
-            <a:r>
-              <a:rPr lang="en-US" dirty="0" smtClean="0"/>
-              <a:t>…/</a:t>
+              <a:t>Run backend:   …/</a:t>
             </a:r>
             <a:r>
               <a:rPr lang="en-US" dirty="0" err="1" smtClean="0"/>
@@ -5803,15 +5803,7 @@
             </a:pPr>
             <a:r>
               <a:rPr lang="en-US" dirty="0" smtClean="0"/>
-              <a:t>Run </a:t>
-            </a:r>
-            <a:r>
-              <a:rPr lang="en-US" dirty="0" smtClean="0"/>
-              <a:t>client</a:t>
-            </a:r>
-            <a:r>
-              <a:rPr lang="en-US" dirty="0" smtClean="0"/>
-              <a:t>:    …/</a:t>
+              <a:t>Run client:    …/</a:t>
             </a:r>
             <a:r>
               <a:rPr lang="en-US" dirty="0" err="1" smtClean="0"/>
@@ -5959,7 +5951,6 @@
               <a:rPr lang="en-US" dirty="0" smtClean="0"/>
               <a:t>result = x + y;</a:t>
             </a:r>
-            <a:endParaRPr lang="en-US" dirty="0" smtClean="0"/>
           </a:p>
           <a:p>
             <a:pPr marL="0" indent="0">
@@ -5996,7 +5987,6 @@
               <a:rPr lang="en-US" dirty="0" smtClean="0"/>
               <a:t> result;</a:t>
             </a:r>
-            <a:endParaRPr lang="en-US" dirty="0" smtClean="0"/>
           </a:p>
           <a:p>
             <a:pPr marL="0" indent="0">
